--- a/Capstone2/Reports/slide deck.pptx
+++ b/Capstone2/Reports/slide deck.pptx
@@ -186,20 +186,6 @@
 </p:cmAuthorLst>
 </file>
 
-<file path=ppt/comments/comment1.xml><?xml version="1.0" encoding="utf-8"?>
-<p:cmLst xmlns:a="http://schemas.openxmlformats.org/drawingml/2006/main" xmlns:r="http://schemas.openxmlformats.org/officeDocument/2006/relationships" xmlns:p="http://schemas.openxmlformats.org/presentationml/2006/main">
-  <p:cm authorId="1" dt="2019-11-06T20:57:25.230" idx="1">
-    <p:pos x="10" y="10"/>
-    <p:text/>
-    <p:extLst>
-      <p:ext uri="{C676402C-5697-4E1C-873F-D02D1690AC5C}">
-        <p15:threadingInfo xmlns:p15="http://schemas.microsoft.com/office/powerpoint/2012/main" timeZoneBias="480"/>
-      </p:ext>
-    </p:extLst>
-  </p:cm>
-</p:cmLst>
-</file>
-
 <file path=ppt/notesMasters/notesMaster1.xml><?xml version="1.0" encoding="utf-8"?>
 <p:notesMaster xmlns:a="http://schemas.openxmlformats.org/drawingml/2006/main" xmlns:r="http://schemas.openxmlformats.org/officeDocument/2006/relationships" xmlns:p="http://schemas.openxmlformats.org/presentationml/2006/main">
   <p:cSld>
@@ -249,7 +235,7 @@
             </a:lvl1pPr>
           </a:lstStyle>
           <a:p>
-            <a:endParaRPr lang="en-US"/>
+            <a:endParaRPr lang="en-US" dirty="0"/>
           </a:p>
         </p:txBody>
       </p:sp>
@@ -282,9 +268,9 @@
           <a:p>
             <a:fld id="{A05A76C4-1656-409B-A2C2-E17B368B2602}" type="datetimeFigureOut">
               <a:rPr lang="en-US" smtClean="0"/>
-              <a:t>11/6/2019</a:t>
+              <a:t>11/9/2019</a:t>
             </a:fld>
-            <a:endParaRPr lang="en-US"/>
+            <a:endParaRPr lang="en-US" dirty="0"/>
           </a:p>
         </p:txBody>
       </p:sp>
@@ -317,7 +303,7 @@
           <a:bodyPr vert="horz" lIns="91440" tIns="45720" rIns="91440" bIns="45720" rtlCol="0" anchor="ctr"/>
           <a:lstStyle/>
           <a:p>
-            <a:endParaRPr lang="en-US"/>
+            <a:endParaRPr lang="en-US" dirty="0"/>
           </a:p>
         </p:txBody>
       </p:sp>
@@ -407,7 +393,7 @@
             </a:lvl1pPr>
           </a:lstStyle>
           <a:p>
-            <a:endParaRPr lang="en-US"/>
+            <a:endParaRPr lang="en-US" dirty="0"/>
           </a:p>
         </p:txBody>
       </p:sp>
@@ -442,7 +428,7 @@
               <a:rPr lang="en-US" smtClean="0"/>
               <a:t>‹#›</a:t>
             </a:fld>
-            <a:endParaRPr lang="en-US"/>
+            <a:endParaRPr lang="en-US" dirty="0"/>
           </a:p>
         </p:txBody>
       </p:sp>
@@ -616,7 +602,7 @@
               <a:rPr lang="en-US" smtClean="0"/>
               <a:t>2</a:t>
             </a:fld>
-            <a:endParaRPr lang="en-US"/>
+            <a:endParaRPr lang="en-US" dirty="0"/>
           </a:p>
         </p:txBody>
       </p:sp>
@@ -700,7 +686,7 @@
               <a:rPr lang="en-US" smtClean="0"/>
               <a:t>6</a:t>
             </a:fld>
-            <a:endParaRPr lang="en-US"/>
+            <a:endParaRPr lang="en-US" dirty="0"/>
           </a:p>
         </p:txBody>
       </p:sp>
@@ -864,7 +850,7 @@
           <a:p>
             <a:fld id="{4F268792-D3DC-44A2-8C16-2F8DF76201EB}" type="datetimeFigureOut">
               <a:rPr lang="en-US" smtClean="0"/>
-              <a:t>11/6/2019</a:t>
+              <a:t>11/9/2019</a:t>
             </a:fld>
             <a:endParaRPr lang="en-US" dirty="0"/>
           </a:p>
@@ -1062,7 +1048,7 @@
           <a:p>
             <a:fld id="{4F268792-D3DC-44A2-8C16-2F8DF76201EB}" type="datetimeFigureOut">
               <a:rPr lang="en-US" smtClean="0"/>
-              <a:t>11/6/2019</a:t>
+              <a:t>11/9/2019</a:t>
             </a:fld>
             <a:endParaRPr lang="en-US" dirty="0"/>
           </a:p>
@@ -1270,7 +1256,7 @@
           <a:p>
             <a:fld id="{4F268792-D3DC-44A2-8C16-2F8DF76201EB}" type="datetimeFigureOut">
               <a:rPr lang="en-US" smtClean="0"/>
-              <a:t>11/6/2019</a:t>
+              <a:t>11/9/2019</a:t>
             </a:fld>
             <a:endParaRPr lang="en-US" dirty="0"/>
           </a:p>
@@ -1468,7 +1454,7 @@
           <a:p>
             <a:fld id="{4F268792-D3DC-44A2-8C16-2F8DF76201EB}" type="datetimeFigureOut">
               <a:rPr lang="en-US" smtClean="0"/>
-              <a:t>11/6/2019</a:t>
+              <a:t>11/9/2019</a:t>
             </a:fld>
             <a:endParaRPr lang="en-US" dirty="0"/>
           </a:p>
@@ -1743,7 +1729,7 @@
           <a:p>
             <a:fld id="{4F268792-D3DC-44A2-8C16-2F8DF76201EB}" type="datetimeFigureOut">
               <a:rPr lang="en-US" smtClean="0"/>
-              <a:t>11/6/2019</a:t>
+              <a:t>11/9/2019</a:t>
             </a:fld>
             <a:endParaRPr lang="en-US" dirty="0"/>
           </a:p>
@@ -2008,7 +1994,7 @@
           <a:p>
             <a:fld id="{4F268792-D3DC-44A2-8C16-2F8DF76201EB}" type="datetimeFigureOut">
               <a:rPr lang="en-US" smtClean="0"/>
-              <a:t>11/6/2019</a:t>
+              <a:t>11/9/2019</a:t>
             </a:fld>
             <a:endParaRPr lang="en-US" dirty="0"/>
           </a:p>
@@ -2420,7 +2406,7 @@
           <a:p>
             <a:fld id="{4F268792-D3DC-44A2-8C16-2F8DF76201EB}" type="datetimeFigureOut">
               <a:rPr lang="en-US" smtClean="0"/>
-              <a:t>11/6/2019</a:t>
+              <a:t>11/9/2019</a:t>
             </a:fld>
             <a:endParaRPr lang="en-US" dirty="0"/>
           </a:p>
@@ -2561,7 +2547,7 @@
           <a:p>
             <a:fld id="{4F268792-D3DC-44A2-8C16-2F8DF76201EB}" type="datetimeFigureOut">
               <a:rPr lang="en-US" smtClean="0"/>
-              <a:t>11/6/2019</a:t>
+              <a:t>11/9/2019</a:t>
             </a:fld>
             <a:endParaRPr lang="en-US" dirty="0"/>
           </a:p>
@@ -2674,7 +2660,7 @@
           <a:p>
             <a:fld id="{4F268792-D3DC-44A2-8C16-2F8DF76201EB}" type="datetimeFigureOut">
               <a:rPr lang="en-US" smtClean="0"/>
-              <a:t>11/6/2019</a:t>
+              <a:t>11/9/2019</a:t>
             </a:fld>
             <a:endParaRPr lang="en-US" dirty="0"/>
           </a:p>
@@ -2985,7 +2971,7 @@
           <a:p>
             <a:fld id="{4F268792-D3DC-44A2-8C16-2F8DF76201EB}" type="datetimeFigureOut">
               <a:rPr lang="en-US" smtClean="0"/>
-              <a:t>11/6/2019</a:t>
+              <a:t>11/9/2019</a:t>
             </a:fld>
             <a:endParaRPr lang="en-US" dirty="0"/>
           </a:p>
@@ -3273,7 +3259,7 @@
           <a:p>
             <a:fld id="{4F268792-D3DC-44A2-8C16-2F8DF76201EB}" type="datetimeFigureOut">
               <a:rPr lang="en-US" smtClean="0"/>
-              <a:t>11/6/2019</a:t>
+              <a:t>11/9/2019</a:t>
             </a:fld>
             <a:endParaRPr lang="en-US" dirty="0"/>
           </a:p>
@@ -3514,7 +3500,7 @@
           <a:p>
             <a:fld id="{4F268792-D3DC-44A2-8C16-2F8DF76201EB}" type="datetimeFigureOut">
               <a:rPr lang="en-US" smtClean="0"/>
-              <a:t>11/6/2019</a:t>
+              <a:t>11/9/2019</a:t>
             </a:fld>
             <a:endParaRPr lang="en-US" dirty="0"/>
           </a:p>
@@ -3957,11 +3943,13 @@
         </p:nvSpPr>
         <p:spPr/>
         <p:txBody>
-          <a:bodyPr/>
-          <a:lstStyle/>
-          <a:p>
-            <a:r>
-              <a:rPr lang="en-US" dirty="0"/>
+          <a:bodyPr>
+            <a:normAutofit/>
+          </a:bodyPr>
+          <a:lstStyle/>
+          <a:p>
+            <a:r>
+              <a:rPr lang="en-US" sz="4800" b="1" dirty="0"/>
               <a:t>Evaluating models for Stock Price Forecasting </a:t>
             </a:r>
           </a:p>
@@ -4127,7 +4115,7 @@
           <a:p>
             <a:pPr algn="ctr"/>
             <a:r>
-              <a:rPr lang="en-US" dirty="0"/>
+              <a:rPr lang="en-US" b="1" dirty="0"/>
               <a:t>Partial Auto Correlation Plot</a:t>
             </a:r>
           </a:p>
@@ -4299,7 +4287,7 @@
           <a:p>
             <a:pPr algn="ctr"/>
             <a:r>
-              <a:rPr lang="en-US" dirty="0"/>
+              <a:rPr lang="en-US" b="1" dirty="0"/>
               <a:t>Stationary Series</a:t>
             </a:r>
           </a:p>
@@ -4341,15 +4329,7 @@
           <a:p>
             <a:r>
               <a:rPr lang="en-US" sz="2000" dirty="0"/>
-              <a:t>This plot shows the </a:t>
-            </a:r>
-            <a:r>
-              <a:rPr lang="en-US" sz="2000" dirty="0" err="1"/>
-              <a:t>stationarized</a:t>
-            </a:r>
-            <a:r>
-              <a:rPr lang="en-US" sz="2000" dirty="0"/>
-              <a:t> series after differencing the original Time Series once. </a:t>
+              <a:t>This plot shows the stationarized series after differencing the original Time Series once. </a:t>
             </a:r>
           </a:p>
           <a:p>
@@ -4473,7 +4453,7 @@
           <a:p>
             <a:pPr algn="ctr"/>
             <a:r>
-              <a:rPr lang="en-US" dirty="0"/>
+              <a:rPr lang="en-US" b="1" dirty="0"/>
               <a:t>Auto correlation plot</a:t>
             </a:r>
           </a:p>
@@ -4642,8 +4622,8 @@
           <a:p>
             <a:pPr algn="ctr"/>
             <a:r>
-              <a:rPr lang="en-US" dirty="0"/>
-              <a:t>Forecasting</a:t>
+              <a:rPr lang="en-US" b="1" dirty="0"/>
+              <a:t>ARIMA Forecast</a:t>
             </a:r>
           </a:p>
         </p:txBody>
@@ -4678,15 +4658,7 @@
           <a:p>
             <a:r>
               <a:rPr lang="en-US" sz="2000" dirty="0"/>
-              <a:t>Stock prices were forecasted with the combination (</a:t>
-            </a:r>
-            <a:r>
-              <a:rPr lang="en-US" sz="2000" dirty="0" err="1"/>
-              <a:t>p,d,q</a:t>
-            </a:r>
-            <a:r>
-              <a:rPr lang="en-US" sz="2000" dirty="0"/>
-              <a:t>) = (0,1,0)</a:t>
+              <a:t>Stock prices were forecasted with the combination (p,d,q) = (0,1,0)</a:t>
             </a:r>
           </a:p>
           <a:p>
@@ -4806,7 +4778,7 @@
           <a:p>
             <a:pPr algn="ctr"/>
             <a:r>
-              <a:rPr lang="en-US" dirty="0"/>
+              <a:rPr lang="en-US" b="1" dirty="0"/>
               <a:t>VAR model </a:t>
             </a:r>
           </a:p>
@@ -4909,8 +4881,8 @@
           <a:p>
             <a:pPr algn="ctr"/>
             <a:r>
-              <a:rPr lang="en-US" dirty="0"/>
-              <a:t>What is VAR?</a:t>
+              <a:rPr lang="en-US" b="1" dirty="0"/>
+              <a:t>VAR</a:t>
             </a:r>
           </a:p>
         </p:txBody>
@@ -4933,23 +4905,25 @@
         </p:nvSpPr>
         <p:spPr/>
         <p:txBody>
-          <a:bodyPr/>
-          <a:lstStyle/>
-          <a:p>
-            <a:r>
-              <a:rPr lang="en-US" dirty="0"/>
+          <a:bodyPr>
+            <a:normAutofit/>
+          </a:bodyPr>
+          <a:lstStyle/>
+          <a:p>
+            <a:r>
+              <a:rPr lang="en-US" sz="2400" dirty="0"/>
               <a:t>Vector Auto Regression.</a:t>
             </a:r>
           </a:p>
           <a:p>
             <a:r>
-              <a:rPr lang="en-US" dirty="0"/>
+              <a:rPr lang="en-US" sz="2400" dirty="0"/>
               <a:t>Uses a multivariate Time Series to make predictions.</a:t>
             </a:r>
           </a:p>
           <a:p>
             <a:r>
-              <a:rPr lang="en-US" dirty="0"/>
+              <a:rPr lang="en-US" sz="2400" dirty="0"/>
               <a:t>Each variable is a linear function of the past values of itself and of all the other variables.</a:t>
             </a:r>
           </a:p>
@@ -5015,7 +4989,7 @@
           <a:p>
             <a:pPr algn="ctr"/>
             <a:r>
-              <a:rPr lang="en-US" dirty="0"/>
+              <a:rPr lang="en-US" b="1" dirty="0"/>
               <a:t>Stationary Series</a:t>
             </a:r>
           </a:p>
@@ -5051,35 +5025,19 @@
           <a:p>
             <a:r>
               <a:rPr lang="en-US" sz="2000" dirty="0"/>
-              <a:t>Multivariate Series is checked for Stationarity based on Eigen values. </a:t>
+              <a:t>Stationarity check for multivariate Time Series is done using the Coint Johansen test.</a:t>
             </a:r>
           </a:p>
           <a:p>
             <a:r>
               <a:rPr lang="en-US" sz="2000" dirty="0"/>
-              <a:t>Stationarity check is done using the </a:t>
-            </a:r>
-            <a:r>
-              <a:rPr lang="en-US" sz="2000" dirty="0" err="1"/>
-              <a:t>Coint</a:t>
-            </a:r>
+              <a:t>Stationarity is based on Eigen values. </a:t>
+            </a:r>
+          </a:p>
+          <a:p>
             <a:r>
               <a:rPr lang="en-US" sz="2000" dirty="0"/>
-              <a:t> Johansen test.</a:t>
-            </a:r>
-          </a:p>
-          <a:p>
-            <a:r>
-              <a:rPr lang="en-US" sz="2000" dirty="0"/>
-              <a:t>This plot shows the </a:t>
-            </a:r>
-            <a:r>
-              <a:rPr lang="en-US" sz="2000" dirty="0" err="1"/>
-              <a:t>stationarized</a:t>
-            </a:r>
-            <a:r>
-              <a:rPr lang="en-US" sz="2000" dirty="0"/>
-              <a:t> series after differencing the original Time Series (Adj. Closing Price and Inflation Rate) once. </a:t>
+              <a:t>This plot shows the stationarized series after differencing the original Time Series once. </a:t>
             </a:r>
           </a:p>
           <a:p>
@@ -5200,8 +5158,8 @@
           <a:p>
             <a:pPr algn="ctr"/>
             <a:r>
-              <a:rPr lang="en-US" sz="4400" dirty="0"/>
-              <a:t>Forecasting</a:t>
+              <a:rPr lang="en-US" sz="4400" b="1" dirty="0"/>
+              <a:t> VAR Forecast</a:t>
             </a:r>
           </a:p>
         </p:txBody>
@@ -5362,7 +5320,7 @@
           <a:p>
             <a:pPr algn="ctr"/>
             <a:r>
-              <a:rPr lang="en-US" dirty="0"/>
+              <a:rPr lang="en-US" b="1" dirty="0"/>
               <a:t>LSTM model </a:t>
             </a:r>
           </a:p>
@@ -5465,8 +5423,8 @@
           <a:p>
             <a:pPr algn="ctr"/>
             <a:r>
-              <a:rPr lang="en-US" dirty="0"/>
-              <a:t>What is LSTM?</a:t>
+              <a:rPr lang="en-US" b="1" dirty="0"/>
+              <a:t>LSTM</a:t>
             </a:r>
           </a:p>
         </p:txBody>
@@ -5489,29 +5447,31 @@
         </p:nvSpPr>
         <p:spPr/>
         <p:txBody>
-          <a:bodyPr/>
-          <a:lstStyle/>
-          <a:p>
-            <a:r>
-              <a:rPr lang="en-US" dirty="0"/>
+          <a:bodyPr>
+            <a:normAutofit/>
+          </a:bodyPr>
+          <a:lstStyle/>
+          <a:p>
+            <a:r>
+              <a:rPr lang="en-US" sz="2400" dirty="0"/>
               <a:t>Long-short term memory.</a:t>
             </a:r>
           </a:p>
           <a:p>
             <a:r>
-              <a:rPr lang="en-US" dirty="0"/>
+              <a:rPr lang="en-US" sz="2400" dirty="0"/>
               <a:t>Can make predictions on univariate as well as multivariate Time Series. </a:t>
             </a:r>
           </a:p>
           <a:p>
             <a:r>
-              <a:rPr lang="en-US" dirty="0"/>
+              <a:rPr lang="en-US" sz="2400" dirty="0"/>
               <a:t>Takes a 3D array as an input.</a:t>
             </a:r>
           </a:p>
           <a:p>
             <a:r>
-              <a:rPr lang="en-US" dirty="0"/>
+              <a:rPr lang="en-US" sz="2400" dirty="0"/>
               <a:t>Series is normalized in the range 0 to 1.</a:t>
             </a:r>
           </a:p>
@@ -5578,7 +5538,7 @@
           <a:p>
             <a:pPr algn="ctr"/>
             <a:r>
-              <a:rPr lang="en-US" dirty="0"/>
+              <a:rPr lang="en-US" b="1" dirty="0"/>
               <a:t>Table of Contents</a:t>
             </a:r>
           </a:p>
@@ -5728,7 +5688,7 @@
           <a:p>
             <a:pPr algn="ctr"/>
             <a:r>
-              <a:rPr lang="en-US" sz="4400" dirty="0"/>
+              <a:rPr lang="en-US" sz="4400" b="1" dirty="0"/>
               <a:t>LSTM Architecture</a:t>
             </a:r>
           </a:p>
@@ -5813,7 +5773,7 @@
             </a:pPr>
             <a:r>
               <a:rPr lang="en-US" sz="1700" dirty="0"/>
-              <a:t>forger gate</a:t>
+              <a:t>forget gate</a:t>
             </a:r>
           </a:p>
           <a:p>
@@ -5950,7 +5910,7 @@
           <a:p>
             <a:pPr algn="ctr"/>
             <a:r>
-              <a:rPr lang="en-US" sz="4400" dirty="0"/>
+              <a:rPr lang="en-US" sz="4400" b="1" dirty="0"/>
               <a:t>LSTM Forecast</a:t>
             </a:r>
           </a:p>
@@ -5990,15 +5950,7 @@
             </a:pPr>
             <a:r>
               <a:rPr lang="en-US" sz="2400" dirty="0"/>
-              <a:t>Model was compiled with the ‘</a:t>
-            </a:r>
-            <a:r>
-              <a:rPr lang="en-US" sz="2400" dirty="0" err="1"/>
-              <a:t>adam</a:t>
-            </a:r>
-            <a:r>
-              <a:rPr lang="en-US" sz="2400" dirty="0"/>
-              <a:t>’ optimizer.</a:t>
+              <a:t>Model was compiled with the ‘Adam’ optimizer.</a:t>
             </a:r>
           </a:p>
           <a:p>
@@ -6008,7 +5960,7 @@
             </a:pPr>
             <a:r>
               <a:rPr lang="en-US" sz="2400" dirty="0"/>
-              <a:t>The model was trained for 24 epochs with a batch size of 32.  </a:t>
+              <a:t>Model was trained for 24 epochs with a batch size of 32.  </a:t>
             </a:r>
           </a:p>
           <a:p>
@@ -6118,7 +6070,7 @@
           <a:p>
             <a:pPr algn="ctr"/>
             <a:r>
-              <a:rPr lang="en-US" dirty="0"/>
+              <a:rPr lang="en-US" b="1" dirty="0"/>
               <a:t>Result</a:t>
             </a:r>
           </a:p>
@@ -6259,7 +6211,7 @@
           <a:p>
             <a:pPr algn="ctr"/>
             <a:r>
-              <a:rPr lang="en-US" dirty="0"/>
+              <a:rPr lang="en-US" b="1" dirty="0"/>
               <a:t>Future Work</a:t>
             </a:r>
           </a:p>
@@ -6283,17 +6235,19 @@
         </p:nvSpPr>
         <p:spPr/>
         <p:txBody>
-          <a:bodyPr/>
-          <a:lstStyle/>
-          <a:p>
-            <a:r>
-              <a:rPr lang="en-US" dirty="0"/>
+          <a:bodyPr>
+            <a:normAutofit/>
+          </a:bodyPr>
+          <a:lstStyle/>
+          <a:p>
+            <a:r>
+              <a:rPr lang="en-US" sz="2400" dirty="0"/>
               <a:t>Train the VAR model with additional features such as Twitter Sentiment. </a:t>
             </a:r>
           </a:p>
           <a:p>
             <a:r>
-              <a:rPr lang="en-US" dirty="0"/>
+              <a:rPr lang="en-US" sz="2400" dirty="0"/>
               <a:t>Train the LSTM model with multivariate data such as the Inflation Rate and Twitter Sentiment.</a:t>
             </a:r>
           </a:p>
@@ -6423,7 +6377,7 @@
           <a:p>
             <a:pPr algn="ctr"/>
             <a:r>
-              <a:rPr lang="en-US" dirty="0"/>
+              <a:rPr lang="en-US" b="1" dirty="0"/>
               <a:t>Overview</a:t>
             </a:r>
           </a:p>
@@ -6527,7 +6481,7 @@
           <a:p>
             <a:pPr algn="ctr"/>
             <a:r>
-              <a:rPr lang="en-US" dirty="0"/>
+              <a:rPr lang="en-US" b="1" dirty="0"/>
               <a:t>Data Acquisition</a:t>
             </a:r>
           </a:p>
@@ -6643,7 +6597,7 @@
           <a:p>
             <a:pPr algn="ctr"/>
             <a:r>
-              <a:rPr lang="en-US" dirty="0"/>
+              <a:rPr lang="en-US" b="1" dirty="0"/>
               <a:t>Data Exploration</a:t>
             </a:r>
           </a:p>
@@ -6673,12 +6627,12 @@
         </p:spPr>
         <p:txBody>
           <a:bodyPr>
-            <a:normAutofit fontScale="92500"/>
+            <a:normAutofit/>
           </a:bodyPr>
           <a:lstStyle/>
           <a:p>
             <a:r>
-              <a:rPr lang="en-US" b="1" dirty="0"/>
+              <a:rPr lang="en-US" sz="2400" b="1" dirty="0"/>
               <a:t>Stock Price</a:t>
             </a:r>
           </a:p>
@@ -6687,7 +6641,7 @@
               <a:buNone/>
             </a:pPr>
             <a:r>
-              <a:rPr lang="en-US" dirty="0"/>
+              <a:rPr lang="en-US" sz="2400" dirty="0"/>
               <a:t> The Stock Price data from Quandl has 12 features and 1090 observations .</a:t>
             </a:r>
           </a:p>
@@ -6695,11 +6649,11 @@
             <a:pPr marL="0" indent="0">
               <a:buNone/>
             </a:pPr>
-            <a:endParaRPr lang="en-US" dirty="0"/>
-          </a:p>
-          <a:p>
-            <a:r>
-              <a:rPr lang="en-US" b="1" dirty="0"/>
+            <a:endParaRPr lang="en-US" sz="2400" dirty="0"/>
+          </a:p>
+          <a:p>
+            <a:r>
+              <a:rPr lang="en-US" sz="2400" b="1" dirty="0"/>
               <a:t>Inflation rate</a:t>
             </a:r>
           </a:p>
@@ -6708,16 +6662,16 @@
               <a:buNone/>
             </a:pPr>
             <a:r>
-              <a:rPr lang="en-US" dirty="0"/>
+              <a:rPr lang="en-US" sz="2400" dirty="0"/>
               <a:t> The Inflation Rate dataset from FRED has 2 features and 1303 observations. </a:t>
             </a:r>
           </a:p>
           <a:p>
-            <a:endParaRPr lang="en-US" dirty="0"/>
-          </a:p>
-          <a:p>
-            <a:r>
-              <a:rPr lang="en-US" b="1" dirty="0"/>
+            <a:endParaRPr lang="en-US" sz="2400" dirty="0"/>
+          </a:p>
+          <a:p>
+            <a:r>
+              <a:rPr lang="en-US" sz="2400" b="1" dirty="0"/>
               <a:t>Target Variable</a:t>
             </a:r>
           </a:p>
@@ -6726,7 +6680,7 @@
               <a:buNone/>
             </a:pPr>
             <a:r>
-              <a:rPr lang="en-US" dirty="0"/>
+              <a:rPr lang="en-US" sz="2400" dirty="0"/>
               <a:t>The Adj. Closing Price is considered as the Target variable as it reflects the stock’s value after  accounting for any corporate actions. </a:t>
             </a:r>
           </a:p>
@@ -6787,7 +6741,7 @@
           <a:p>
             <a:pPr algn="ctr"/>
             <a:r>
-              <a:rPr lang="en-US" sz="3600" dirty="0"/>
+              <a:rPr lang="en-US" b="1" dirty="0"/>
               <a:t>Chevron Adjusted Closing Price over a period of 5 years</a:t>
             </a:r>
           </a:p>
@@ -6905,7 +6859,7 @@
           <a:p>
             <a:pPr algn="ctr"/>
             <a:r>
-              <a:rPr lang="en-US" dirty="0"/>
+              <a:rPr lang="en-US" b="1" dirty="0"/>
               <a:t>Inflation Rate over a period of 5 years</a:t>
             </a:r>
           </a:p>
@@ -7004,7 +6958,7 @@
           <a:p>
             <a:pPr algn="ctr"/>
             <a:r>
-              <a:rPr lang="en-US" dirty="0"/>
+              <a:rPr lang="en-US" b="1" dirty="0"/>
               <a:t>ARIMA model </a:t>
             </a:r>
           </a:p>
@@ -7105,8 +7059,8 @@
           <a:p>
             <a:pPr algn="ctr"/>
             <a:r>
-              <a:rPr lang="en-US" dirty="0"/>
-              <a:t>What is ARIMA and Auto ARIMA?</a:t>
+              <a:rPr lang="en-US" b="1" dirty="0"/>
+              <a:t>ARIMA and Auto ARIMA</a:t>
             </a:r>
           </a:p>
         </p:txBody>
@@ -7133,26 +7087,21 @@
           <a:lstStyle/>
           <a:p>
             <a:r>
-              <a:rPr lang="en-US" dirty="0"/>
+              <a:rPr lang="en-US" sz="2400" dirty="0"/>
               <a:t>ARIMA - Auto Regressive Integrated Moving Average.</a:t>
             </a:r>
           </a:p>
           <a:p>
             <a:r>
-              <a:rPr lang="en-US" dirty="0"/>
+              <a:rPr lang="en-US" sz="2400" dirty="0"/>
               <a:t>Statistical method which needs a univariate series.</a:t>
             </a:r>
           </a:p>
           <a:p>
             <a:r>
-              <a:rPr lang="en-US" dirty="0"/>
-              <a:t>Characterized by three terms </a:t>
-            </a:r>
-            <a:r>
-              <a:rPr lang="en-US" dirty="0" err="1"/>
-              <a:t>p,d,q</a:t>
-            </a:r>
-            <a:endParaRPr lang="en-US" dirty="0"/>
+              <a:rPr lang="en-US" sz="2400" dirty="0"/>
+              <a:t>Characterized by three terms p,d,q</a:t>
+            </a:r>
           </a:p>
           <a:p>
             <a:pPr lvl="1"/>
@@ -7181,16 +7130,8 @@
           </a:p>
           <a:p>
             <a:r>
-              <a:rPr lang="en-US" dirty="0"/>
-              <a:t>Auto ARIMA automatically selects the best combination of (</a:t>
-            </a:r>
-            <a:r>
-              <a:rPr lang="en-US" dirty="0" err="1"/>
-              <a:t>p,d,q</a:t>
-            </a:r>
-            <a:r>
-              <a:rPr lang="en-US" dirty="0"/>
-              <a:t>) that provides the least error based on the AIC and BIC values. </a:t>
+              <a:rPr lang="en-US" sz="2400" dirty="0"/>
+              <a:t>Auto ARIMA automatically selects the best combination of (p,d,q) that provides the least error based on the AIC and BIC values. </a:t>
             </a:r>
           </a:p>
           <a:p>
